--- a/Presentation1.pptx
+++ b/Presentation1.pptx
@@ -305,7 +305,7 @@
             <a:fld id="{04AF466F-BDA4-4F18-9C7B-FF0A9A1B0E80}" type="datetime1">
               <a:rPr lang="en-US" smtClean="0"/>
               <a:pPr/>
-              <a:t>1/30/17</a:t>
+              <a:t>2/22/17</a:t>
             </a:fld>
             <a:endParaRPr lang="en-US"/>
           </a:p>
@@ -472,7 +472,7 @@
             <a:fld id="{58FB4290-6522-4139-852E-05BD9E7F0D2E}" type="datetime1">
               <a:rPr lang="en-US" smtClean="0"/>
               <a:pPr/>
-              <a:t>1/30/17</a:t>
+              <a:t>2/22/17</a:t>
             </a:fld>
             <a:endParaRPr lang="en-US"/>
           </a:p>
@@ -649,7 +649,7 @@
             <a:fld id="{AAB955F9-81EA-47C5-8059-9E5C2B437C70}" type="datetime1">
               <a:rPr lang="en-US" smtClean="0"/>
               <a:pPr/>
-              <a:t>1/30/17</a:t>
+              <a:t>2/22/17</a:t>
             </a:fld>
             <a:endParaRPr lang="en-US"/>
           </a:p>
@@ -816,7 +816,7 @@
             <a:fld id="{1CEF607B-A47E-422C-9BEF-122CCDB7C526}" type="datetime1">
               <a:rPr lang="en-US" smtClean="0"/>
               <a:pPr/>
-              <a:t>1/30/17</a:t>
+              <a:t>2/22/17</a:t>
             </a:fld>
             <a:endParaRPr lang="en-US"/>
           </a:p>
@@ -1059,7 +1059,7 @@
             <a:fld id="{63A9A7CB-BEE6-4F99-898E-913F06E8E125}" type="datetime1">
               <a:rPr lang="en-US" smtClean="0"/>
               <a:pPr/>
-              <a:t>1/30/17</a:t>
+              <a:t>2/22/17</a:t>
             </a:fld>
             <a:endParaRPr lang="en-US"/>
           </a:p>
@@ -1344,7 +1344,7 @@
             <a:fld id="{B6EE300C-6FC5-4FC3-AF1A-075E4F50620D}" type="datetime1">
               <a:rPr lang="en-US" smtClean="0"/>
               <a:pPr/>
-              <a:t>1/30/17</a:t>
+              <a:t>2/22/17</a:t>
             </a:fld>
             <a:endParaRPr lang="en-US"/>
           </a:p>
@@ -1775,7 +1775,7 @@
             <a:fld id="{F50D295D-4A77-4DEB-B04C-9F4282A8BC04}" type="datetime1">
               <a:rPr lang="en-US" smtClean="0"/>
               <a:pPr/>
-              <a:t>1/30/17</a:t>
+              <a:t>2/22/17</a:t>
             </a:fld>
             <a:endParaRPr lang="en-US"/>
           </a:p>
@@ -1890,7 +1890,7 @@
             <a:fld id="{02B28685-4D0C-42D5-8013-B5904CD1FCBC}" type="datetime1">
               <a:rPr lang="en-US" smtClean="0"/>
               <a:pPr/>
-              <a:t>1/30/17</a:t>
+              <a:t>2/22/17</a:t>
             </a:fld>
             <a:endParaRPr lang="en-US"/>
           </a:p>
@@ -1982,7 +1982,7 @@
             <a:fld id="{FDF226C0-9885-4BA9-BBFA-A52CBFEBB775}" type="datetime1">
               <a:rPr lang="en-US" smtClean="0"/>
               <a:pPr/>
-              <a:t>1/30/17</a:t>
+              <a:t>2/22/17</a:t>
             </a:fld>
             <a:endParaRPr lang="en-US"/>
           </a:p>
@@ -2173,7 +2173,7 @@
             <a:fld id="{EBEE1B38-C5EB-4D66-9137-0AFE9CDEDE8F}" type="datetime1">
               <a:rPr lang="en-US" smtClean="0"/>
               <a:pPr/>
-              <a:t>1/30/17</a:t>
+              <a:t>2/22/17</a:t>
             </a:fld>
             <a:endParaRPr lang="en-US"/>
           </a:p>
@@ -2493,7 +2493,7 @@
             <a:fld id="{327B613C-1AD7-49D3-885D-F654C5CDBAA6}" type="datetime1">
               <a:rPr lang="en-US" smtClean="0"/>
               <a:pPr/>
-              <a:t>1/30/17</a:t>
+              <a:t>2/22/17</a:t>
             </a:fld>
             <a:endParaRPr lang="en-US" dirty="0"/>
           </a:p>
@@ -2875,7 +2875,7 @@
             <a:fld id="{327B613C-1AD7-49D3-885D-F654C5CDBAA6}" type="datetime1">
               <a:rPr lang="en-US" smtClean="0"/>
               <a:pPr/>
-              <a:t>1/30/17</a:t>
+              <a:t>2/22/17</a:t>
             </a:fld>
             <a:endParaRPr lang="en-US" dirty="0"/>
           </a:p>
